--- a/Concept Presentation.pptx
+++ b/Concept Presentation.pptx
@@ -296,7 +296,7 @@
           <a:p>
             <a:fld id="{B576B0C9-CB12-4282-A397-04DD5598A17A}" type="datetime1">
               <a:rPr lang="LID4096" smtClean="0"/>
-              <a:t>08/14/2024</a:t>
+              <a:t>08/19/2024</a:t>
             </a:fld>
             <a:endParaRPr lang="de-DE"/>
           </a:p>
@@ -551,7 +551,7 @@
             </a:pPr>
             <a:fld id="{41C5A824-D24F-4CBC-B6AD-9FA7590C6FD9}" type="datetime1">
               <a:rPr lang="LID4096" smtClean="0"/>
-              <a:t>08/14/2024</a:t>
+              <a:t>08/19/2024</a:t>
             </a:fld>
             <a:endParaRPr lang="de-DE"/>
           </a:p>
@@ -1083,7 +1083,7 @@
             </a:pPr>
             <a:fld id="{3A404215-A752-47D7-927C-821DE91DF254}" type="datetime1">
               <a:rPr lang="LID4096" smtClean="0"/>
-              <a:t>08/14/2024</a:t>
+              <a:t>08/19/2024</a:t>
             </a:fld>
             <a:endParaRPr lang="de-DE"/>
           </a:p>
@@ -1260,7 +1260,7 @@
             </a:pPr>
             <a:fld id="{41C5A824-D24F-4CBC-B6AD-9FA7590C6FD9}" type="datetime1">
               <a:rPr lang="LID4096" smtClean="0"/>
-              <a:t>08/14/2024</a:t>
+              <a:t>08/19/2024</a:t>
             </a:fld>
             <a:endParaRPr lang="de-DE"/>
           </a:p>
@@ -6532,7 +6532,7 @@
                 <a:latin typeface="Calibri" panose="020F0502020204030204" pitchFamily="34" charset="0"/>
                 <a:cs typeface="Calibri" panose="020F0502020204030204" pitchFamily="34" charset="0"/>
               </a:rPr>
-              <a:t>Software level Dynamic Braking System</a:t>
+              <a:t>Dynamic Braking System controlled by software</a:t>
             </a:r>
           </a:p>
         </p:txBody>
